--- a/sessions/Keynote/monkeyconf-keynote.pptx
+++ b/sessions/Keynote/monkeyconf-keynote.pptx
@@ -5,62 +5,63 @@
     <p:sldMasterId id="2147483654" r:id="rId1"/>
   </p:sldMasterIdLst>
   <p:notesMasterIdLst>
-    <p:notesMasterId r:id="rId16"/>
+    <p:notesMasterId r:id="rId17"/>
   </p:notesMasterIdLst>
   <p:sldIdLst>
     <p:sldId id="256" r:id="rId2"/>
     <p:sldId id="336" r:id="rId3"/>
     <p:sldId id="327" r:id="rId4"/>
-    <p:sldId id="338" r:id="rId5"/>
-    <p:sldId id="335" r:id="rId6"/>
-    <p:sldId id="339" r:id="rId7"/>
-    <p:sldId id="340" r:id="rId8"/>
-    <p:sldId id="341" r:id="rId9"/>
-    <p:sldId id="342" r:id="rId10"/>
-    <p:sldId id="271" r:id="rId11"/>
-    <p:sldId id="324" r:id="rId12"/>
-    <p:sldId id="258" r:id="rId13"/>
-    <p:sldId id="343" r:id="rId14"/>
-    <p:sldId id="326" r:id="rId15"/>
+    <p:sldId id="344" r:id="rId5"/>
+    <p:sldId id="338" r:id="rId6"/>
+    <p:sldId id="335" r:id="rId7"/>
+    <p:sldId id="339" r:id="rId8"/>
+    <p:sldId id="340" r:id="rId9"/>
+    <p:sldId id="341" r:id="rId10"/>
+    <p:sldId id="342" r:id="rId11"/>
+    <p:sldId id="271" r:id="rId12"/>
+    <p:sldId id="324" r:id="rId13"/>
+    <p:sldId id="258" r:id="rId14"/>
+    <p:sldId id="343" r:id="rId15"/>
+    <p:sldId id="326" r:id="rId16"/>
   </p:sldIdLst>
   <p:sldSz cx="9144000" cy="5143500" type="screen16x9"/>
   <p:notesSz cx="6858000" cy="9144000"/>
   <p:embeddedFontLst>
     <p:embeddedFont>
       <p:font typeface="Calibri" panose="020F0502020204030204" pitchFamily="34" charset="0"/>
-      <p:regular r:id="rId17"/>
-      <p:bold r:id="rId18"/>
-      <p:italic r:id="rId19"/>
-      <p:boldItalic r:id="rId20"/>
+      <p:regular r:id="rId18"/>
+      <p:bold r:id="rId19"/>
+      <p:italic r:id="rId20"/>
+      <p:boldItalic r:id="rId21"/>
     </p:embeddedFont>
     <p:embeddedFont>
       <p:font typeface="Inter Semi Bold" panose="020B0604020202020204" charset="0"/>
-      <p:bold r:id="rId21"/>
-      <p:boldItalic r:id="rId22"/>
+      <p:bold r:id="rId22"/>
+      <p:boldItalic r:id="rId23"/>
     </p:embeddedFont>
     <p:embeddedFont>
       <p:font typeface="Inter V" panose="02000503000000020004" charset="0"/>
-      <p:regular r:id="rId23"/>
-      <p:bold r:id="rId24"/>
+      <p:regular r:id="rId24"/>
+      <p:bold r:id="rId25"/>
     </p:embeddedFont>
     <p:embeddedFont>
       <p:font typeface="Roboto" panose="02000000000000000000" pitchFamily="2" charset="0"/>
-      <p:regular r:id="rId25"/>
-      <p:bold r:id="rId26"/>
-      <p:italic r:id="rId27"/>
-      <p:boldItalic r:id="rId28"/>
+      <p:regular r:id="rId26"/>
+      <p:bold r:id="rId27"/>
+      <p:italic r:id="rId28"/>
+      <p:boldItalic r:id="rId29"/>
     </p:embeddedFont>
     <p:embeddedFont>
       <p:font typeface="Segoe UI" panose="020B0502040204020203" pitchFamily="34" charset="0"/>
-      <p:regular r:id="rId29"/>
-      <p:bold r:id="rId30"/>
-      <p:italic r:id="rId31"/>
-      <p:boldItalic r:id="rId32"/>
+      <p:regular r:id="rId30"/>
+      <p:bold r:id="rId31"/>
+      <p:italic r:id="rId32"/>
+      <p:boldItalic r:id="rId33"/>
     </p:embeddedFont>
     <p:embeddedFont>
       <p:font typeface="Segoe UI Semilight" panose="020B0402040204020203" pitchFamily="34" charset="0"/>
-      <p:regular r:id="rId33"/>
-      <p:italic r:id="rId34"/>
+      <p:regular r:id="rId34"/>
+      <p:italic r:id="rId35"/>
     </p:embeddedFont>
   </p:embeddedFontLst>
   <p:defaultTextStyle>
@@ -2872,7 +2873,7 @@
               <a:pPr>
                 <a:defRPr/>
               </a:pPr>
-              <a:t>21/11/2022</a:t>
+              <a:t>01/12/2022</a:t>
             </a:fld>
             <a:endParaRPr lang="es-ES" dirty="0"/>
           </a:p>
@@ -4052,6 +4053,123 @@
 <file path=ppt/slides/slide10.xml><?xml version="1.0" encoding="utf-8"?>
 <p:sld xmlns:a="http://schemas.openxmlformats.org/drawingml/2006/main" xmlns:r="http://schemas.openxmlformats.org/officeDocument/2006/relationships" xmlns:p="http://schemas.openxmlformats.org/presentationml/2006/main">
   <p:cSld>
+    <p:spTree>
+      <p:nvGrpSpPr>
+        <p:cNvPr id="1" name=""/>
+        <p:cNvGrpSpPr/>
+        <p:nvPr/>
+      </p:nvGrpSpPr>
+      <p:grpSpPr>
+        <a:xfrm>
+          <a:off x="0" y="0"/>
+          <a:ext cx="0" cy="0"/>
+          <a:chOff x="0" y="0"/>
+          <a:chExt cx="0" cy="0"/>
+        </a:xfrm>
+      </p:grpSpPr>
+      <p:pic>
+        <p:nvPicPr>
+          <p:cNvPr id="3" name="Picture 2">
+            <a:extLst>
+              <a:ext uri="{FF2B5EF4-FFF2-40B4-BE49-F238E27FC236}">
+                <a16:creationId xmlns:a16="http://schemas.microsoft.com/office/drawing/2014/main" id="{B1F079D2-BAB8-5E2A-B638-DA004EC25F2E}"/>
+              </a:ext>
+            </a:extLst>
+          </p:cNvPr>
+          <p:cNvPicPr>
+            <a:picLocks noChangeAspect="1"/>
+          </p:cNvPicPr>
+          <p:nvPr/>
+        </p:nvPicPr>
+        <p:blipFill>
+          <a:blip r:embed="rId2"/>
+          <a:stretch>
+            <a:fillRect/>
+          </a:stretch>
+        </p:blipFill>
+        <p:spPr>
+          <a:xfrm>
+            <a:off x="0" y="282411"/>
+            <a:ext cx="9144000" cy="3152549"/>
+          </a:xfrm>
+          <a:prstGeom prst="rect">
+            <a:avLst/>
+          </a:prstGeom>
+        </p:spPr>
+      </p:pic>
+      <p:sp>
+        <p:nvSpPr>
+          <p:cNvPr id="4" name="TextBox 3">
+            <a:extLst>
+              <a:ext uri="{FF2B5EF4-FFF2-40B4-BE49-F238E27FC236}">
+                <a16:creationId xmlns:a16="http://schemas.microsoft.com/office/drawing/2014/main" id="{D8420797-BE83-F0A7-5818-EF20CDE3051E}"/>
+              </a:ext>
+            </a:extLst>
+          </p:cNvPr>
+          <p:cNvSpPr txBox="1"/>
+          <p:nvPr/>
+        </p:nvSpPr>
+        <p:spPr>
+          <a:xfrm>
+            <a:off x="7276089" y="5669"/>
+            <a:ext cx="1867911" cy="338554"/>
+          </a:xfrm>
+          <a:prstGeom prst="rect">
+            <a:avLst/>
+          </a:prstGeom>
+          <a:noFill/>
+        </p:spPr>
+        <p:txBody>
+          <a:bodyPr wrap="square" rtlCol="0">
+            <a:spAutoFit/>
+          </a:bodyPr>
+          <a:lstStyle/>
+          <a:p>
+            <a:pPr algn="ctr"/>
+            <a:r>
+              <a:rPr lang="es-ES" sz="1600" dirty="0">
+                <a:solidFill>
+                  <a:srgbClr val="172831"/>
+                </a:solidFill>
+              </a:rPr>
+              <a:t>#monkeyconf</a:t>
+            </a:r>
+            <a:endParaRPr lang="en-US" sz="1600" dirty="0">
+              <a:solidFill>
+                <a:srgbClr val="172831"/>
+              </a:solidFill>
+            </a:endParaRPr>
+          </a:p>
+        </p:txBody>
+      </p:sp>
+    </p:spTree>
+    <p:extLst>
+      <p:ext uri="{BB962C8B-B14F-4D97-AF65-F5344CB8AC3E}">
+        <p14:creationId xmlns:p14="http://schemas.microsoft.com/office/powerpoint/2010/main" val="2574574923"/>
+      </p:ext>
+    </p:extLst>
+  </p:cSld>
+  <p:clrMapOvr>
+    <a:masterClrMapping/>
+  </p:clrMapOvr>
+  <mc:AlternateContent xmlns:mc="http://schemas.openxmlformats.org/markup-compatibility/2006" xmlns:p14="http://schemas.microsoft.com/office/powerpoint/2010/main">
+    <mc:Choice Requires="p14">
+      <p:transition spd="med" p14:dur="700">
+        <p:fade/>
+      </p:transition>
+    </mc:Choice>
+    <mc:Fallback xmlns="">
+      <p:transition spd="med">
+        <p:fade/>
+      </p:transition>
+    </mc:Fallback>
+  </mc:AlternateContent>
+</p:sld>
+</file>
+
+<file path=ppt/slides/slide11.xml><?xml version="1.0" encoding="utf-8"?>
+<p:sld xmlns:a="http://schemas.openxmlformats.org/drawingml/2006/main" xmlns:r="http://schemas.openxmlformats.org/officeDocument/2006/relationships" xmlns:p="http://schemas.openxmlformats.org/presentationml/2006/main">
+  <p:cSld>
     <p:bg>
       <p:bgPr>
         <a:solidFill>
@@ -6704,7 +6822,7 @@
 </p:sld>
 </file>
 
-<file path=ppt/slides/slide11.xml><?xml version="1.0" encoding="utf-8"?>
+<file path=ppt/slides/slide12.xml><?xml version="1.0" encoding="utf-8"?>
 <p:sld xmlns:a="http://schemas.openxmlformats.org/drawingml/2006/main" xmlns:r="http://schemas.openxmlformats.org/officeDocument/2006/relationships" xmlns:p="http://schemas.openxmlformats.org/presentationml/2006/main">
   <p:cSld>
     <p:bg>
@@ -7199,7 +7317,7 @@
 </p:sld>
 </file>
 
-<file path=ppt/slides/slide12.xml><?xml version="1.0" encoding="utf-8"?>
+<file path=ppt/slides/slide13.xml><?xml version="1.0" encoding="utf-8"?>
 <p:sld xmlns:a="http://schemas.openxmlformats.org/drawingml/2006/main" xmlns:r="http://schemas.openxmlformats.org/officeDocument/2006/relationships" xmlns:p="http://schemas.openxmlformats.org/presentationml/2006/main">
   <p:cSld>
     <p:spTree>
@@ -8749,7 +8867,7 @@
 </p:sld>
 </file>
 
-<file path=ppt/slides/slide13.xml><?xml version="1.0" encoding="utf-8"?>
+<file path=ppt/slides/slide14.xml><?xml version="1.0" encoding="utf-8"?>
 <p:sld xmlns:a="http://schemas.openxmlformats.org/drawingml/2006/main" xmlns:r="http://schemas.openxmlformats.org/officeDocument/2006/relationships" xmlns:p="http://schemas.openxmlformats.org/presentationml/2006/main">
   <p:cSld>
     <p:spTree>
@@ -8881,7 +8999,7 @@
 </p:sld>
 </file>
 
-<file path=ppt/slides/slide14.xml><?xml version="1.0" encoding="utf-8"?>
+<file path=ppt/slides/slide15.xml><?xml version="1.0" encoding="utf-8"?>
 <p:sld xmlns:a="http://schemas.openxmlformats.org/drawingml/2006/main" xmlns:r="http://schemas.openxmlformats.org/officeDocument/2006/relationships" xmlns:p="http://schemas.openxmlformats.org/presentationml/2006/main">
   <p:cSld>
     <p:spTree>
@@ -9081,7 +9199,7 @@
         </p:spPr>
         <p:txBody>
           <a:bodyPr>
-            <a:normAutofit lnSpcReduction="10000"/>
+            <a:normAutofit/>
           </a:bodyPr>
           <a:lstStyle/>
           <a:p>
@@ -9132,7 +9250,7 @@
             <a:pPr marL="285732" indent="-285732"/>
             <a:r>
               <a:rPr lang="es-ES" sz="2025" dirty="0"/>
-              <a:t>Haremos concurso de preguntas al final del evento, con regalos. No queremos dar pistas pero, ¿Cuánto sabes de C#?.</a:t>
+              <a:t>Haremos sorteo al final del evento, con regalos. </a:t>
             </a:r>
             <a:endParaRPr lang="es-ES" sz="2700" dirty="0"/>
           </a:p>
@@ -9258,6 +9376,238 @@
 <file path=ppt/slides/slide4.xml><?xml version="1.0" encoding="utf-8"?>
 <p:sld xmlns:a="http://schemas.openxmlformats.org/drawingml/2006/main" xmlns:r="http://schemas.openxmlformats.org/officeDocument/2006/relationships" xmlns:p="http://schemas.openxmlformats.org/presentationml/2006/main">
   <p:cSld>
+    <p:spTree>
+      <p:nvGrpSpPr>
+        <p:cNvPr id="1" name=""/>
+        <p:cNvGrpSpPr/>
+        <p:nvPr/>
+      </p:nvGrpSpPr>
+      <p:grpSpPr>
+        <a:xfrm>
+          <a:off x="0" y="0"/>
+          <a:ext cx="0" cy="0"/>
+          <a:chOff x="0" y="0"/>
+          <a:chExt cx="0" cy="0"/>
+        </a:xfrm>
+      </p:grpSpPr>
+      <p:sp>
+        <p:nvSpPr>
+          <p:cNvPr id="2" name="Marcador de texto 1">
+            <a:extLst>
+              <a:ext uri="{FF2B5EF4-FFF2-40B4-BE49-F238E27FC236}">
+                <a16:creationId xmlns:a16="http://schemas.microsoft.com/office/drawing/2014/main" id="{11F3008E-068C-4B0B-AD99-FDE263C0A6E1}"/>
+              </a:ext>
+            </a:extLst>
+          </p:cNvPr>
+          <p:cNvSpPr>
+            <a:spLocks noGrp="1"/>
+          </p:cNvSpPr>
+          <p:nvPr>
+            <p:ph type="body" sz="quarter" idx="21"/>
+          </p:nvPr>
+        </p:nvSpPr>
+        <p:spPr>
+          <a:xfrm>
+            <a:off x="457468" y="1158846"/>
+            <a:ext cx="8229064" cy="3663174"/>
+          </a:xfrm>
+        </p:spPr>
+        <p:txBody>
+          <a:bodyPr>
+            <a:normAutofit/>
+          </a:bodyPr>
+          <a:lstStyle/>
+          <a:p>
+            <a:pPr marL="285732" indent="-285732"/>
+            <a:r>
+              <a:rPr lang="es-ES" sz="2025" dirty="0"/>
+              <a:t>Donde estamos es el </a:t>
+            </a:r>
+            <a:r>
+              <a:rPr lang="es-ES" sz="2025" dirty="0" err="1"/>
+              <a:t>Track</a:t>
+            </a:r>
+            <a:r>
+              <a:rPr lang="es-ES" sz="2025" dirty="0"/>
+              <a:t> 1.</a:t>
+            </a:r>
+          </a:p>
+          <a:p>
+            <a:pPr marL="285732" indent="-285732"/>
+            <a:r>
+              <a:rPr lang="es-ES" sz="2025" dirty="0"/>
+              <a:t>Tenemos el </a:t>
+            </a:r>
+            <a:r>
+              <a:rPr lang="es-ES" sz="2025" dirty="0" err="1"/>
+              <a:t>Track</a:t>
+            </a:r>
+            <a:r>
+              <a:rPr lang="es-ES" sz="2025" dirty="0"/>
+              <a:t> 2 a las espaldas del </a:t>
+            </a:r>
+            <a:r>
+              <a:rPr lang="es-ES" sz="2025" dirty="0" err="1"/>
+              <a:t>Track</a:t>
+            </a:r>
+            <a:r>
+              <a:rPr lang="es-ES" sz="2025" dirty="0"/>
+              <a:t> 1.</a:t>
+            </a:r>
+          </a:p>
+          <a:p>
+            <a:pPr marL="285732" indent="-285732"/>
+            <a:r>
+              <a:rPr lang="es-ES" sz="2025" dirty="0"/>
+              <a:t>El desayuno y almuerzo se realizará al fondo del </a:t>
+            </a:r>
+            <a:r>
+              <a:rPr lang="es-ES" sz="2025" dirty="0" err="1"/>
+              <a:t>Track</a:t>
+            </a:r>
+            <a:r>
+              <a:rPr lang="es-ES" sz="2025" dirty="0"/>
+              <a:t> 1 en un espacio habilitado para ello. </a:t>
+            </a:r>
+          </a:p>
+          <a:p>
+            <a:pPr marL="285732" indent="-285732"/>
+            <a:r>
+              <a:rPr lang="es-ES" sz="2025" dirty="0"/>
+              <a:t>Para </a:t>
+            </a:r>
+            <a:r>
+              <a:rPr lang="es-ES" sz="2025" dirty="0" err="1"/>
+              <a:t>speakers</a:t>
+            </a:r>
+            <a:r>
+              <a:rPr lang="es-ES" sz="2025" dirty="0"/>
+              <a:t> hay una sala específica acristalada por si se quiere realizar un repaso final, etc.</a:t>
+            </a:r>
+            <a:endParaRPr lang="es-ES" sz="2700" dirty="0"/>
+          </a:p>
+        </p:txBody>
+      </p:sp>
+      <p:sp>
+        <p:nvSpPr>
+          <p:cNvPr id="3" name="Título 2">
+            <a:extLst>
+              <a:ext uri="{FF2B5EF4-FFF2-40B4-BE49-F238E27FC236}">
+                <a16:creationId xmlns:a16="http://schemas.microsoft.com/office/drawing/2014/main" id="{3E31E761-19AB-434A-B29A-3AB57174CCC8}"/>
+              </a:ext>
+            </a:extLst>
+          </p:cNvPr>
+          <p:cNvSpPr>
+            <a:spLocks noGrp="1"/>
+          </p:cNvSpPr>
+          <p:nvPr>
+            <p:ph type="title"/>
+          </p:nvPr>
+        </p:nvSpPr>
+        <p:spPr>
+          <a:xfrm>
+            <a:off x="457200" y="401955"/>
+            <a:ext cx="8229600" cy="587945"/>
+          </a:xfrm>
+        </p:spPr>
+        <p:txBody>
+          <a:bodyPr>
+            <a:normAutofit fontScale="90000"/>
+          </a:bodyPr>
+          <a:lstStyle/>
+          <a:p>
+            <a:r>
+              <a:rPr lang="es-ES" dirty="0" err="1"/>
+              <a:t>Monkey</a:t>
+            </a:r>
+            <a:r>
+              <a:rPr lang="es-ES" dirty="0"/>
+              <a:t> </a:t>
+            </a:r>
+            <a:r>
+              <a:rPr lang="es-ES" dirty="0" err="1"/>
+              <a:t>Conf</a:t>
+            </a:r>
+            <a:r>
+              <a:rPr lang="es-ES" dirty="0"/>
+              <a:t> 2022</a:t>
+            </a:r>
+          </a:p>
+        </p:txBody>
+      </p:sp>
+      <p:sp>
+        <p:nvSpPr>
+          <p:cNvPr id="4" name="TextBox 3">
+            <a:extLst>
+              <a:ext uri="{FF2B5EF4-FFF2-40B4-BE49-F238E27FC236}">
+                <a16:creationId xmlns:a16="http://schemas.microsoft.com/office/drawing/2014/main" id="{D4A71C14-CC8F-C9B4-9265-6F08DD9629FD}"/>
+              </a:ext>
+            </a:extLst>
+          </p:cNvPr>
+          <p:cNvSpPr txBox="1"/>
+          <p:nvPr/>
+        </p:nvSpPr>
+        <p:spPr>
+          <a:xfrm>
+            <a:off x="7276089" y="5669"/>
+            <a:ext cx="1867911" cy="338554"/>
+          </a:xfrm>
+          <a:prstGeom prst="rect">
+            <a:avLst/>
+          </a:prstGeom>
+          <a:noFill/>
+        </p:spPr>
+        <p:txBody>
+          <a:bodyPr wrap="square" rtlCol="0">
+            <a:spAutoFit/>
+          </a:bodyPr>
+          <a:lstStyle/>
+          <a:p>
+            <a:pPr algn="ctr"/>
+            <a:r>
+              <a:rPr lang="es-ES" sz="1600" dirty="0">
+                <a:solidFill>
+                  <a:srgbClr val="172831"/>
+                </a:solidFill>
+              </a:rPr>
+              <a:t>#monkeyconf</a:t>
+            </a:r>
+            <a:endParaRPr lang="en-US" sz="1600" dirty="0">
+              <a:solidFill>
+                <a:srgbClr val="172831"/>
+              </a:solidFill>
+            </a:endParaRPr>
+          </a:p>
+        </p:txBody>
+      </p:sp>
+    </p:spTree>
+    <p:extLst>
+      <p:ext uri="{BB962C8B-B14F-4D97-AF65-F5344CB8AC3E}">
+        <p14:creationId xmlns:p14="http://schemas.microsoft.com/office/powerpoint/2010/main" val="1066476588"/>
+      </p:ext>
+    </p:extLst>
+  </p:cSld>
+  <p:clrMapOvr>
+    <a:masterClrMapping/>
+  </p:clrMapOvr>
+  <mc:AlternateContent xmlns:mc="http://schemas.openxmlformats.org/markup-compatibility/2006" xmlns:p14="http://schemas.microsoft.com/office/powerpoint/2010/main">
+    <mc:Choice Requires="p14">
+      <p:transition spd="med" p14:dur="700">
+        <p:fade/>
+      </p:transition>
+    </mc:Choice>
+    <mc:Fallback xmlns="">
+      <p:transition spd="med">
+        <p:fade/>
+      </p:transition>
+    </mc:Fallback>
+  </mc:AlternateContent>
+</p:sld>
+</file>
+
+<file path=ppt/slides/slide5.xml><?xml version="1.0" encoding="utf-8"?>
+<p:sld xmlns:a="http://schemas.openxmlformats.org/drawingml/2006/main" xmlns:r="http://schemas.openxmlformats.org/officeDocument/2006/relationships" xmlns:p="http://schemas.openxmlformats.org/presentationml/2006/main">
+  <p:cSld>
     <p:bg>
       <p:bgPr>
         <a:solidFill>
@@ -9354,7 +9704,7 @@
 </p:sld>
 </file>
 
-<file path=ppt/slides/slide5.xml><?xml version="1.0" encoding="utf-8"?>
+<file path=ppt/slides/slide6.xml><?xml version="1.0" encoding="utf-8"?>
 <p:sld xmlns:a="http://schemas.openxmlformats.org/drawingml/2006/main" xmlns:r="http://schemas.openxmlformats.org/officeDocument/2006/relationships" xmlns:p="http://schemas.openxmlformats.org/presentationml/2006/main">
   <p:cSld>
     <p:spTree>
@@ -9450,123 +9800,6 @@
     <p:extLst>
       <p:ext uri="{BB962C8B-B14F-4D97-AF65-F5344CB8AC3E}">
         <p14:creationId xmlns:p14="http://schemas.microsoft.com/office/powerpoint/2010/main" val="1832970968"/>
-      </p:ext>
-    </p:extLst>
-  </p:cSld>
-  <p:clrMapOvr>
-    <a:masterClrMapping/>
-  </p:clrMapOvr>
-  <mc:AlternateContent xmlns:mc="http://schemas.openxmlformats.org/markup-compatibility/2006" xmlns:p14="http://schemas.microsoft.com/office/powerpoint/2010/main">
-    <mc:Choice Requires="p14">
-      <p:transition spd="med" p14:dur="700">
-        <p:fade/>
-      </p:transition>
-    </mc:Choice>
-    <mc:Fallback xmlns="">
-      <p:transition spd="med">
-        <p:fade/>
-      </p:transition>
-    </mc:Fallback>
-  </mc:AlternateContent>
-</p:sld>
-</file>
-
-<file path=ppt/slides/slide6.xml><?xml version="1.0" encoding="utf-8"?>
-<p:sld xmlns:a="http://schemas.openxmlformats.org/drawingml/2006/main" xmlns:r="http://schemas.openxmlformats.org/officeDocument/2006/relationships" xmlns:p="http://schemas.openxmlformats.org/presentationml/2006/main">
-  <p:cSld>
-    <p:spTree>
-      <p:nvGrpSpPr>
-        <p:cNvPr id="1" name=""/>
-        <p:cNvGrpSpPr/>
-        <p:nvPr/>
-      </p:nvGrpSpPr>
-      <p:grpSpPr>
-        <a:xfrm>
-          <a:off x="0" y="0"/>
-          <a:ext cx="0" cy="0"/>
-          <a:chOff x="0" y="0"/>
-          <a:chExt cx="0" cy="0"/>
-        </a:xfrm>
-      </p:grpSpPr>
-      <p:pic>
-        <p:nvPicPr>
-          <p:cNvPr id="3" name="Picture 2">
-            <a:extLst>
-              <a:ext uri="{FF2B5EF4-FFF2-40B4-BE49-F238E27FC236}">
-                <a16:creationId xmlns:a16="http://schemas.microsoft.com/office/drawing/2014/main" id="{B6BE697A-1B53-2008-9B7B-2CC301E48C00}"/>
-              </a:ext>
-            </a:extLst>
-          </p:cNvPr>
-          <p:cNvPicPr>
-            <a:picLocks noChangeAspect="1"/>
-          </p:cNvPicPr>
-          <p:nvPr/>
-        </p:nvPicPr>
-        <p:blipFill>
-          <a:blip r:embed="rId2"/>
-          <a:stretch>
-            <a:fillRect/>
-          </a:stretch>
-        </p:blipFill>
-        <p:spPr>
-          <a:xfrm>
-            <a:off x="1090952" y="0"/>
-            <a:ext cx="6962095" cy="5143500"/>
-          </a:xfrm>
-          <a:prstGeom prst="rect">
-            <a:avLst/>
-          </a:prstGeom>
-        </p:spPr>
-      </p:pic>
-      <p:sp>
-        <p:nvSpPr>
-          <p:cNvPr id="4" name="TextBox 3">
-            <a:extLst>
-              <a:ext uri="{FF2B5EF4-FFF2-40B4-BE49-F238E27FC236}">
-                <a16:creationId xmlns:a16="http://schemas.microsoft.com/office/drawing/2014/main" id="{D281F6B3-0109-7C59-E3C2-0915FF94FC30}"/>
-              </a:ext>
-            </a:extLst>
-          </p:cNvPr>
-          <p:cNvSpPr txBox="1"/>
-          <p:nvPr/>
-        </p:nvSpPr>
-        <p:spPr>
-          <a:xfrm>
-            <a:off x="7276089" y="5669"/>
-            <a:ext cx="1867911" cy="338554"/>
-          </a:xfrm>
-          <a:prstGeom prst="rect">
-            <a:avLst/>
-          </a:prstGeom>
-          <a:noFill/>
-        </p:spPr>
-        <p:txBody>
-          <a:bodyPr wrap="square" rtlCol="0">
-            <a:spAutoFit/>
-          </a:bodyPr>
-          <a:lstStyle/>
-          <a:p>
-            <a:pPr algn="ctr"/>
-            <a:r>
-              <a:rPr lang="es-ES" sz="1600" dirty="0">
-                <a:solidFill>
-                  <a:srgbClr val="172831"/>
-                </a:solidFill>
-              </a:rPr>
-              <a:t>#monkeyconf</a:t>
-            </a:r>
-            <a:endParaRPr lang="en-US" sz="1600" dirty="0">
-              <a:solidFill>
-                <a:srgbClr val="172831"/>
-              </a:solidFill>
-            </a:endParaRPr>
-          </a:p>
-        </p:txBody>
-      </p:sp>
-    </p:spTree>
-    <p:extLst>
-      <p:ext uri="{BB962C8B-B14F-4D97-AF65-F5344CB8AC3E}">
-        <p14:creationId xmlns:p14="http://schemas.microsoft.com/office/powerpoint/2010/main" val="2025709196"/>
       </p:ext>
     </p:extLst>
   </p:cSld>
@@ -9610,7 +9843,7 @@
           <p:cNvPr id="3" name="Picture 2">
             <a:extLst>
               <a:ext uri="{FF2B5EF4-FFF2-40B4-BE49-F238E27FC236}">
-                <a16:creationId xmlns:a16="http://schemas.microsoft.com/office/drawing/2014/main" id="{9C280856-5ADF-FC27-5EF1-60C13B58212A}"/>
+                <a16:creationId xmlns:a16="http://schemas.microsoft.com/office/drawing/2014/main" id="{B6BE697A-1B53-2008-9B7B-2CC301E48C00}"/>
               </a:ext>
             </a:extLst>
           </p:cNvPr>
@@ -9627,8 +9860,8 @@
         </p:blipFill>
         <p:spPr>
           <a:xfrm>
-            <a:off x="926015" y="0"/>
-            <a:ext cx="7291970" cy="5143500"/>
+            <a:off x="1090952" y="0"/>
+            <a:ext cx="6962095" cy="5143500"/>
           </a:xfrm>
           <a:prstGeom prst="rect">
             <a:avLst/>
@@ -9640,7 +9873,7 @@
           <p:cNvPr id="4" name="TextBox 3">
             <a:extLst>
               <a:ext uri="{FF2B5EF4-FFF2-40B4-BE49-F238E27FC236}">
-                <a16:creationId xmlns:a16="http://schemas.microsoft.com/office/drawing/2014/main" id="{2189B663-6147-340A-EFC2-27D100183567}"/>
+                <a16:creationId xmlns:a16="http://schemas.microsoft.com/office/drawing/2014/main" id="{D281F6B3-0109-7C59-E3C2-0915FF94FC30}"/>
               </a:ext>
             </a:extLst>
           </p:cNvPr>
@@ -9683,7 +9916,7 @@
     </p:spTree>
     <p:extLst>
       <p:ext uri="{BB962C8B-B14F-4D97-AF65-F5344CB8AC3E}">
-        <p14:creationId xmlns:p14="http://schemas.microsoft.com/office/powerpoint/2010/main" val="3227217621"/>
+        <p14:creationId xmlns:p14="http://schemas.microsoft.com/office/powerpoint/2010/main" val="2025709196"/>
       </p:ext>
     </p:extLst>
   </p:cSld>
@@ -9727,7 +9960,7 @@
           <p:cNvPr id="3" name="Picture 2">
             <a:extLst>
               <a:ext uri="{FF2B5EF4-FFF2-40B4-BE49-F238E27FC236}">
-                <a16:creationId xmlns:a16="http://schemas.microsoft.com/office/drawing/2014/main" id="{5EAB7754-3D47-48B5-4698-EED232BDD259}"/>
+                <a16:creationId xmlns:a16="http://schemas.microsoft.com/office/drawing/2014/main" id="{9C280856-5ADF-FC27-5EF1-60C13B58212A}"/>
               </a:ext>
             </a:extLst>
           </p:cNvPr>
@@ -9744,8 +9977,8 @@
         </p:blipFill>
         <p:spPr>
           <a:xfrm>
-            <a:off x="1585197" y="0"/>
-            <a:ext cx="5973605" cy="5143500"/>
+            <a:off x="926015" y="0"/>
+            <a:ext cx="7291970" cy="5143500"/>
           </a:xfrm>
           <a:prstGeom prst="rect">
             <a:avLst/>
@@ -9757,7 +9990,7 @@
           <p:cNvPr id="4" name="TextBox 3">
             <a:extLst>
               <a:ext uri="{FF2B5EF4-FFF2-40B4-BE49-F238E27FC236}">
-                <a16:creationId xmlns:a16="http://schemas.microsoft.com/office/drawing/2014/main" id="{E5D480E4-F7DD-F3F1-CBB6-700516FDD28A}"/>
+                <a16:creationId xmlns:a16="http://schemas.microsoft.com/office/drawing/2014/main" id="{2189B663-6147-340A-EFC2-27D100183567}"/>
               </a:ext>
             </a:extLst>
           </p:cNvPr>
@@ -9800,7 +10033,7 @@
     </p:spTree>
     <p:extLst>
       <p:ext uri="{BB962C8B-B14F-4D97-AF65-F5344CB8AC3E}">
-        <p14:creationId xmlns:p14="http://schemas.microsoft.com/office/powerpoint/2010/main" val="4252075208"/>
+        <p14:creationId xmlns:p14="http://schemas.microsoft.com/office/powerpoint/2010/main" val="3227217621"/>
       </p:ext>
     </p:extLst>
   </p:cSld>
@@ -9844,7 +10077,7 @@
           <p:cNvPr id="3" name="Picture 2">
             <a:extLst>
               <a:ext uri="{FF2B5EF4-FFF2-40B4-BE49-F238E27FC236}">
-                <a16:creationId xmlns:a16="http://schemas.microsoft.com/office/drawing/2014/main" id="{B1F079D2-BAB8-5E2A-B638-DA004EC25F2E}"/>
+                <a16:creationId xmlns:a16="http://schemas.microsoft.com/office/drawing/2014/main" id="{5EAB7754-3D47-48B5-4698-EED232BDD259}"/>
               </a:ext>
             </a:extLst>
           </p:cNvPr>
@@ -9861,8 +10094,8 @@
         </p:blipFill>
         <p:spPr>
           <a:xfrm>
-            <a:off x="0" y="282411"/>
-            <a:ext cx="9144000" cy="3152549"/>
+            <a:off x="1585197" y="0"/>
+            <a:ext cx="5973605" cy="5143500"/>
           </a:xfrm>
           <a:prstGeom prst="rect">
             <a:avLst/>
@@ -9874,7 +10107,7 @@
           <p:cNvPr id="4" name="TextBox 3">
             <a:extLst>
               <a:ext uri="{FF2B5EF4-FFF2-40B4-BE49-F238E27FC236}">
-                <a16:creationId xmlns:a16="http://schemas.microsoft.com/office/drawing/2014/main" id="{D8420797-BE83-F0A7-5818-EF20CDE3051E}"/>
+                <a16:creationId xmlns:a16="http://schemas.microsoft.com/office/drawing/2014/main" id="{E5D480E4-F7DD-F3F1-CBB6-700516FDD28A}"/>
               </a:ext>
             </a:extLst>
           </p:cNvPr>
@@ -9917,7 +10150,7 @@
     </p:spTree>
     <p:extLst>
       <p:ext uri="{BB962C8B-B14F-4D97-AF65-F5344CB8AC3E}">
-        <p14:creationId xmlns:p14="http://schemas.microsoft.com/office/powerpoint/2010/main" val="2574574923"/>
+        <p14:creationId xmlns:p14="http://schemas.microsoft.com/office/powerpoint/2010/main" val="4252075208"/>
       </p:ext>
     </p:extLst>
   </p:cSld>
